--- a/docs/hld-lld_HelpEnterprising.pptx
+++ b/docs/hld-lld_HelpEnterprising.pptx
@@ -3502,7 +3502,7 @@
         </p:nvSpPr>
         <p:spPr bwMode="auto">
           <a:xfrm rot="0">
-            <a:off x="448294" y="394092"/>
+            <a:off x="448294" y="394091"/>
             <a:ext cx="6180673" cy="940343"/>
           </a:xfrm>
           <a:prstGeom prst="rect">
@@ -3623,7 +3623,7 @@
         <p:spPr bwMode="auto">
           <a:xfrm rot="0">
             <a:off x="12828970" y="8773159"/>
-            <a:ext cx="3880924" cy="817661"/>
+            <a:ext cx="3880923" cy="817661"/>
           </a:xfrm>
           <a:prstGeom prst="rect">
             <a:avLst/>
@@ -3719,7 +3719,7 @@
         <p:spPr bwMode="auto">
           <a:xfrm rot="0" flipH="0" flipV="0">
             <a:off x="2328139" y="2060681"/>
-            <a:ext cx="4840290" cy="840495"/>
+            <a:ext cx="4840289" cy="840495"/>
           </a:xfrm>
           <a:prstGeom prst="rect">
             <a:avLst/>
@@ -3828,7 +3828,7 @@
         </p:nvSpPr>
         <p:spPr bwMode="auto">
           <a:xfrm rot="0">
-            <a:off x="448294" y="394092"/>
+            <a:off x="448294" y="394091"/>
             <a:ext cx="6180853" cy="940343"/>
           </a:xfrm>
           <a:prstGeom prst="rect">
@@ -4048,7 +4048,7 @@
             <p:nvPr isPhoto="0" userDrawn="0"/>
           </p:nvSpPr>
           <p:spPr bwMode="auto">
-            <a:xfrm rot="-10237713">
+            <a:xfrm rot="-10237712">
               <a:off x="412828" y="743404"/>
               <a:ext cx="9544826" cy="5893453"/>
             </a:xfrm>
@@ -4069,7 +4069,7 @@
             </a:ln>
           </p:spPr>
           <p:txBody>
-            <a:bodyPr spcFirstLastPara="1" wrap="square" lIns="91424" tIns="91424" rIns="91424" bIns="91424" anchor="ctr" anchorCtr="0">
+            <a:bodyPr spcFirstLastPara="1" wrap="square" lIns="91423" tIns="91423" rIns="91423" bIns="91423" anchor="ctr" anchorCtr="0">
               <a:noAutofit/>
             </a:bodyPr>
             <a:lstStyle/>
@@ -4110,7 +4110,7 @@
             </a:ln>
           </p:spPr>
           <p:txBody>
-            <a:bodyPr spcFirstLastPara="1" wrap="square" lIns="91424" tIns="91424" rIns="91424" bIns="91424" anchor="ctr" anchorCtr="0">
+            <a:bodyPr spcFirstLastPara="1" wrap="square" lIns="91423" tIns="91423" rIns="91423" bIns="91423" anchor="ctr" anchorCtr="0">
               <a:noAutofit/>
             </a:bodyPr>
             <a:lstStyle/>
@@ -4214,7 +4214,7 @@
         </p:blipFill>
         <p:spPr bwMode="auto">
           <a:xfrm rot="0" flipH="0" flipV="0">
-            <a:off x="8529476" y="-285950"/>
+            <a:off x="8493277" y="-125813"/>
             <a:ext cx="2970232" cy="1980155"/>
           </a:xfrm>
           <a:prstGeom prst="rect">
@@ -4229,8 +4229,8 @@
           <p:nvPr isPhoto="0" userDrawn="0"/>
         </p:nvSpPr>
         <p:spPr bwMode="auto">
-          <a:xfrm rot="5399978" flipH="0" flipV="0">
-            <a:off x="12254379" y="4255542"/>
+          <a:xfrm rot="5399976" flipH="0" flipV="0">
+            <a:off x="12254378" y="4255542"/>
             <a:ext cx="3583450" cy="8063022"/>
           </a:xfrm>
           <a:prstGeom prst="rect">
@@ -4248,7 +4248,7 @@
           </a:ln>
         </p:spPr>
         <p:txBody>
-          <a:bodyPr spcFirstLastPara="1" wrap="square" lIns="91424" tIns="91424" rIns="91424" bIns="91424" anchor="ctr" anchorCtr="0">
+          <a:bodyPr spcFirstLastPara="1" wrap="square" lIns="91423" tIns="91423" rIns="91423" bIns="91423" anchor="ctr" anchorCtr="0">
             <a:noAutofit/>
           </a:bodyPr>
           <a:lstStyle/>
@@ -4282,7 +4282,7 @@
         </p:blipFill>
         <p:spPr bwMode="auto">
           <a:xfrm rot="0" flipH="0" flipV="0">
-            <a:off x="3988883" y="8771364"/>
+            <a:off x="3988882" y="8771364"/>
             <a:ext cx="1763703" cy="1078062"/>
           </a:xfrm>
           <a:prstGeom prst="rect">
@@ -4297,7 +4297,7 @@
           <p:nvPr isPhoto="0" userDrawn="0"/>
         </p:nvSpPr>
         <p:spPr bwMode="auto">
-          <a:xfrm rot="5399978" flipH="0" flipV="0">
+          <a:xfrm rot="5399976" flipH="0" flipV="0">
             <a:off x="2371112" y="4255542"/>
             <a:ext cx="3583450" cy="8063022"/>
           </a:xfrm>
@@ -4316,7 +4316,7 @@
           </a:ln>
         </p:spPr>
         <p:txBody>
-          <a:bodyPr spcFirstLastPara="1" wrap="square" lIns="91424" tIns="91424" rIns="91424" bIns="91424" anchor="ctr" anchorCtr="0">
+          <a:bodyPr spcFirstLastPara="1" wrap="square" lIns="91423" tIns="91423" rIns="91423" bIns="91423" anchor="ctr" anchorCtr="0">
             <a:noAutofit/>
           </a:bodyPr>
           <a:lstStyle/>
@@ -4389,7 +4389,7 @@
         </p:nvCxnSpPr>
         <p:spPr bwMode="auto">
           <a:xfrm rot="0" flipH="0" flipV="0">
-            <a:off x="14511278" y="2348022"/>
+            <a:off x="14511278" y="2348021"/>
             <a:ext cx="3057284" cy="2257246"/>
           </a:xfrm>
           <a:prstGeom prst="curvedConnector2">
@@ -4477,7 +4477,7 @@
         </p:nvSpPr>
         <p:spPr bwMode="auto">
           <a:xfrm flipH="0" flipV="0">
-            <a:off x="131326" y="9605764"/>
+            <a:off x="131326" y="9605763"/>
             <a:ext cx="2170813" cy="487325"/>
           </a:xfrm>
           <a:prstGeom prst="rect">
@@ -4523,7 +4523,7 @@
         </p:nvSpPr>
         <p:spPr bwMode="auto">
           <a:xfrm flipH="0" flipV="0">
-            <a:off x="10014592" y="9605764"/>
+            <a:off x="10014592" y="9605763"/>
             <a:ext cx="2170813" cy="487325"/>
           </a:xfrm>
           <a:prstGeom prst="rect">
@@ -4909,7 +4909,7 @@
         </p:nvSpPr>
         <p:spPr bwMode="auto">
           <a:xfrm flipH="0" flipV="0">
-            <a:off x="131326" y="8235093"/>
+            <a:off x="131326" y="8235092"/>
             <a:ext cx="3189767" cy="487325"/>
           </a:xfrm>
           <a:prstGeom prst="rect">
@@ -5188,7 +5188,7 @@
         </p:blipFill>
         <p:spPr bwMode="auto">
           <a:xfrm flipH="0" flipV="0">
-            <a:off x="10511638" y="7467605"/>
+            <a:off x="10511637" y="7517236"/>
             <a:ext cx="3347535" cy="769816"/>
           </a:xfrm>
           <a:prstGeom prst="rect">

--- a/docs/hld-lld_HelpEnterprising.pptx
+++ b/docs/hld-lld_HelpEnterprising.pptx
@@ -4640,7 +4640,7 @@
                 <a:ea typeface="Fira Sans Compressed Medium"/>
                 <a:cs typeface="Fira Sans Compressed Medium"/>
               </a:rPr>
-              <a:t>Banco de dados MySQL SERVER</a:t>
+              <a:t>Banco de dados SQL SERVER</a:t>
             </a:r>
             <a:endParaRPr sz="2800" b="0">
               <a:solidFill>
@@ -4893,7 +4893,7 @@
         </p:blipFill>
         <p:spPr bwMode="auto">
           <a:xfrm rot="0" flipH="0" flipV="0">
-            <a:off x="1029074" y="7406244"/>
+            <a:off x="809265" y="7350076"/>
             <a:ext cx="1394271" cy="802265"/>
           </a:xfrm>
           <a:prstGeom prst="rect">
@@ -4909,7 +4909,7 @@
         </p:nvSpPr>
         <p:spPr bwMode="auto">
           <a:xfrm flipH="0" flipV="0">
-            <a:off x="131326" y="8235092"/>
+            <a:off x="-88481" y="8235091"/>
             <a:ext cx="3189767" cy="487325"/>
           </a:xfrm>
           <a:prstGeom prst="rect">
@@ -5385,6 +5385,235 @@
               <a:ea typeface="Fira Sans Compressed Medium"/>
               <a:cs typeface="Fira Sans Compressed Medium"/>
             </a:endParaRPr>
+          </a:p>
+        </p:txBody>
+      </p:sp>
+      <p:cxnSp>
+        <p:nvCxnSpPr>
+          <p:cNvPr id="37" name="" hidden="0"/>
+          <p:cNvCxnSpPr>
+            <a:cxnSpLocks/>
+            <a:endCxn id="32" idx="3"/>
+          </p:cNvCxnSpPr>
+          <p:nvPr isPhoto="0" userDrawn="0"/>
+        </p:nvCxnSpPr>
+        <p:spPr bwMode="auto">
+          <a:xfrm rot="10799990" flipH="0" flipV="1">
+            <a:off x="2203536" y="7644422"/>
+            <a:ext cx="1876264" cy="106786"/>
+          </a:xfrm>
+          <a:prstGeom prst="line">
+            <a:avLst/>
+          </a:prstGeom>
+          <a:ln w="28575" cap="flat" cmpd="sng" algn="ctr">
+            <a:solidFill>
+              <a:srgbClr val="6AA76A"/>
+            </a:solidFill>
+            <a:prstDash val="solid"/>
+            <a:tailEnd type="arrow" len="med"/>
+          </a:ln>
+        </p:spPr>
+        <p:style>
+          <a:lnRef idx="1">
+            <a:schemeClr val="accent1">
+              <a:shade val="50000"/>
+            </a:schemeClr>
+          </a:lnRef>
+          <a:fillRef idx="0">
+            <a:schemeClr val="accent1"/>
+          </a:fillRef>
+          <a:effectRef idx="0">
+            <a:schemeClr val="accent1"/>
+          </a:effectRef>
+          <a:fontRef idx="minor">
+            <a:schemeClr val="tx1"/>
+          </a:fontRef>
+        </p:style>
+      </p:cxnSp>
+      <p:sp>
+        <p:nvSpPr>
+          <p:cNvPr id="38" name="" hidden="0"/>
+          <p:cNvSpPr/>
+          <p:nvPr isPhoto="0" userDrawn="0"/>
+        </p:nvSpPr>
+        <p:spPr bwMode="auto">
+          <a:xfrm flipH="0" flipV="0">
+            <a:off x="4718398" y="8534941"/>
+            <a:ext cx="350851" cy="456657"/>
+          </a:xfrm>
+          <a:prstGeom prst="rect">
+            <a:avLst/>
+          </a:prstGeom>
+          <a:noFill/>
+        </p:spPr>
+        <p:txBody>
+          <a:bodyPr vertOverflow="overflow" horzOverflow="clip" vert="horz" wrap="square" lIns="91440" tIns="45720" rIns="91440" bIns="45720" numCol="1" spcCol="0" rtlCol="0" fromWordArt="0" anchor="t" anchorCtr="0" forceAA="0" upright="0" compatLnSpc="0">
+            <a:noAutofit/>
+          </a:bodyPr>
+          <a:p>
+            <a:pPr>
+              <a:defRPr/>
+            </a:pPr>
+            <a:r>
+              <a:rPr sz="2600" b="1"/>
+              <a:t>+</a:t>
+            </a:r>
+            <a:endParaRPr sz="2600" b="1"/>
+          </a:p>
+        </p:txBody>
+      </p:sp>
+      <p:cxnSp>
+        <p:nvCxnSpPr>
+          <p:cNvPr id="39" name="" hidden="0"/>
+          <p:cNvCxnSpPr>
+            <a:cxnSpLocks/>
+          </p:cNvCxnSpPr>
+          <p:nvPr isPhoto="0" userDrawn="0"/>
+        </p:nvCxnSpPr>
+        <p:spPr bwMode="auto">
+          <a:xfrm rot="16199969" flipH="0" flipV="1">
+            <a:off x="1128170" y="7397302"/>
+            <a:ext cx="857250" cy="0"/>
+          </a:xfrm>
+          <a:prstGeom prst="line">
+            <a:avLst/>
+          </a:prstGeom>
+          <a:ln w="28575" cap="flat" cmpd="sng" algn="ctr">
+            <a:solidFill>
+              <a:srgbClr val="6AA76A"/>
+            </a:solidFill>
+            <a:prstDash val="solid"/>
+            <a:tailEnd type="arrow" len="med"/>
+          </a:ln>
+        </p:spPr>
+        <p:style>
+          <a:lnRef idx="1">
+            <a:schemeClr val="accent1">
+              <a:shade val="50000"/>
+            </a:schemeClr>
+          </a:lnRef>
+          <a:fillRef idx="0">
+            <a:schemeClr val="accent1"/>
+          </a:fillRef>
+          <a:effectRef idx="0">
+            <a:schemeClr val="accent1"/>
+          </a:effectRef>
+          <a:fontRef idx="minor">
+            <a:schemeClr val="tx1"/>
+          </a:fontRef>
+        </p:style>
+      </p:cxnSp>
+      <p:cxnSp>
+        <p:nvCxnSpPr>
+          <p:cNvPr id="40" name="" hidden="0"/>
+          <p:cNvCxnSpPr>
+            <a:cxnSpLocks/>
+          </p:cNvCxnSpPr>
+          <p:nvPr isPhoto="0" userDrawn="0"/>
+        </p:nvCxnSpPr>
+        <p:spPr bwMode="auto">
+          <a:xfrm rot="10799990" flipH="0" flipV="1">
+            <a:off x="13949715" y="7730219"/>
+            <a:ext cx="1577984" cy="911508"/>
+          </a:xfrm>
+          <a:prstGeom prst="line">
+            <a:avLst/>
+          </a:prstGeom>
+          <a:ln w="28575" cap="flat" cmpd="sng" algn="ctr">
+            <a:solidFill>
+              <a:srgbClr val="6AA76A"/>
+            </a:solidFill>
+            <a:prstDash val="solid"/>
+            <a:tailEnd type="arrow" len="med"/>
+          </a:ln>
+        </p:spPr>
+        <p:style>
+          <a:lnRef idx="1">
+            <a:schemeClr val="accent1">
+              <a:shade val="50000"/>
+            </a:schemeClr>
+          </a:lnRef>
+          <a:fillRef idx="0">
+            <a:schemeClr val="accent1"/>
+          </a:fillRef>
+          <a:effectRef idx="0">
+            <a:schemeClr val="accent1"/>
+          </a:effectRef>
+          <a:fontRef idx="minor">
+            <a:schemeClr val="tx1"/>
+          </a:fontRef>
+        </p:style>
+      </p:cxnSp>
+      <p:cxnSp>
+        <p:nvCxnSpPr>
+          <p:cNvPr id="41" name="" hidden="0"/>
+          <p:cNvCxnSpPr>
+            <a:cxnSpLocks/>
+          </p:cNvCxnSpPr>
+          <p:nvPr isPhoto="0" userDrawn="0"/>
+        </p:nvCxnSpPr>
+        <p:spPr bwMode="auto">
+          <a:xfrm rot="5399978" flipH="0" flipV="0">
+            <a:off x="16299045" y="7225214"/>
+            <a:ext cx="438149" cy="360"/>
+          </a:xfrm>
+          <a:prstGeom prst="line">
+            <a:avLst/>
+          </a:prstGeom>
+          <a:ln w="28575" cap="flat" cmpd="sng" algn="ctr">
+            <a:solidFill>
+              <a:srgbClr val="6AA76A"/>
+            </a:solidFill>
+            <a:prstDash val="solid"/>
+            <a:tailEnd type="arrow" len="med"/>
+          </a:ln>
+        </p:spPr>
+        <p:style>
+          <a:lnRef idx="1">
+            <a:schemeClr val="accent1">
+              <a:shade val="50000"/>
+            </a:schemeClr>
+          </a:lnRef>
+          <a:fillRef idx="0">
+            <a:schemeClr val="accent1"/>
+          </a:fillRef>
+          <a:effectRef idx="0">
+            <a:schemeClr val="accent1"/>
+          </a:effectRef>
+          <a:fontRef idx="minor">
+            <a:schemeClr val="tx1"/>
+          </a:fontRef>
+        </p:style>
+      </p:cxnSp>
+      <p:sp>
+        <p:nvSpPr>
+          <p:cNvPr id="42" name="" hidden="0"/>
+          <p:cNvSpPr/>
+          <p:nvPr isPhoto="0" userDrawn="0"/>
+        </p:nvSpPr>
+        <p:spPr bwMode="auto">
+          <a:xfrm flipH="0" flipV="0">
+            <a:off x="11493330" y="8641728"/>
+            <a:ext cx="516288" cy="444755"/>
+          </a:xfrm>
+          <a:prstGeom prst="rect">
+            <a:avLst/>
+          </a:prstGeom>
+          <a:noFill/>
+        </p:spPr>
+        <p:txBody>
+          <a:bodyPr vertOverflow="overflow" horzOverflow="clip" vert="horz" wrap="square" lIns="91440" tIns="45720" rIns="91440" bIns="45720" numCol="1" spcCol="0" rtlCol="0" fromWordArt="0" anchor="t" anchorCtr="0" forceAA="0" upright="0" compatLnSpc="0">
+            <a:noAutofit/>
+          </a:bodyPr>
+          <a:p>
+            <a:pPr algn="ctr">
+              <a:defRPr/>
+            </a:pPr>
+            <a:r>
+              <a:rPr sz="2600" b="1"/>
+              <a:t>+</a:t>
+            </a:r>
+            <a:endParaRPr sz="2600" b="1"/>
           </a:p>
         </p:txBody>
       </p:sp>

--- a/docs/hld-lld_HelpEnterprising.pptx
+++ b/docs/hld-lld_HelpEnterprising.pptx
@@ -3927,7 +3927,7 @@
         </p:blipFill>
         <p:spPr bwMode="auto">
           <a:xfrm rot="0" flipH="0" flipV="0">
-            <a:off x="3851168" y="7023663"/>
+            <a:off x="3851167" y="6831958"/>
             <a:ext cx="2039132" cy="1455093"/>
           </a:xfrm>
           <a:prstGeom prst="rect">
@@ -4168,7 +4168,7 @@
         </p:blipFill>
         <p:spPr bwMode="auto">
           <a:xfrm rot="0" flipH="0" flipV="0">
-            <a:off x="11957756" y="2117639"/>
+            <a:off x="10611478" y="1987752"/>
             <a:ext cx="1763703" cy="1078062"/>
           </a:xfrm>
           <a:prstGeom prst="rect">
@@ -4191,8 +4191,8 @@
         </p:blipFill>
         <p:spPr bwMode="auto">
           <a:xfrm rot="0" flipH="0" flipV="0">
-            <a:off x="9176930" y="2004830"/>
-            <a:ext cx="2574545" cy="975108"/>
+            <a:off x="4236798" y="9503352"/>
+            <a:ext cx="1267869" cy="480205"/>
           </a:xfrm>
           <a:prstGeom prst="rect">
             <a:avLst/>
@@ -4282,8 +4282,8 @@
         </p:blipFill>
         <p:spPr bwMode="auto">
           <a:xfrm rot="0" flipH="0" flipV="0">
-            <a:off x="3988882" y="8771364"/>
-            <a:ext cx="1763703" cy="1078062"/>
+            <a:off x="4319423" y="8663497"/>
+            <a:ext cx="1148798" cy="702202"/>
           </a:xfrm>
           <a:prstGeom prst="rect">
             <a:avLst/>
@@ -4992,7 +4992,7 @@
         </p:nvSpPr>
         <p:spPr bwMode="auto">
           <a:xfrm flipH="0" flipV="0">
-            <a:off x="5890302" y="6982653"/>
+            <a:off x="5890299" y="7181132"/>
             <a:ext cx="2086383" cy="487325"/>
           </a:xfrm>
           <a:prstGeom prst="rect">
@@ -5138,30 +5138,6 @@
                 <a:cs typeface="Fira Sans Compressed Medium"/>
               </a:rPr>
               <a:t>Node JS</a:t>
-            </a:r>
-            <a:endParaRPr sz="2000" b="0">
-              <a:solidFill>
-                <a:schemeClr val="tx1"/>
-              </a:solidFill>
-              <a:latin typeface="Fira Sans Compressed Medium"/>
-              <a:ea typeface="Fira Sans Compressed Medium"/>
-              <a:cs typeface="Fira Sans Compressed Medium"/>
-            </a:endParaRPr>
-          </a:p>
-          <a:p>
-            <a:pPr algn="ctr">
-              <a:defRPr/>
-            </a:pPr>
-            <a:r>
-              <a:rPr sz="2000" b="0">
-                <a:solidFill>
-                  <a:schemeClr val="tx1"/>
-                </a:solidFill>
-                <a:latin typeface="Fira Sans Compressed Medium"/>
-                <a:ea typeface="Fira Sans Compressed Medium"/>
-                <a:cs typeface="Fira Sans Compressed Medium"/>
-              </a:rPr>
-              <a:t>(Recomendado)</a:t>
             </a:r>
             <a:endParaRPr sz="2000" b="0">
               <a:solidFill>
@@ -5399,8 +5375,8 @@
         </p:nvCxnSpPr>
         <p:spPr bwMode="auto">
           <a:xfrm rot="10799990" flipH="0" flipV="1">
-            <a:off x="2203536" y="7644422"/>
-            <a:ext cx="1876264" cy="106786"/>
+            <a:off x="2203535" y="7446818"/>
+            <a:ext cx="1868452" cy="304390"/>
           </a:xfrm>
           <a:prstGeom prst="line">
             <a:avLst/>
@@ -5438,7 +5414,7 @@
         </p:nvSpPr>
         <p:spPr bwMode="auto">
           <a:xfrm flipH="0" flipV="0">
-            <a:off x="4718398" y="8534941"/>
+            <a:off x="4718397" y="8366652"/>
             <a:ext cx="350851" cy="456657"/>
           </a:xfrm>
           <a:prstGeom prst="rect">
@@ -5512,7 +5488,7 @@
           <p:nvPr isPhoto="0" userDrawn="0"/>
         </p:nvCxnSpPr>
         <p:spPr bwMode="auto">
-          <a:xfrm rot="10799990" flipH="0" flipV="1">
+          <a:xfrm rot="10799989" flipH="0" flipV="1">
             <a:off x="13949715" y="7730219"/>
             <a:ext cx="1577984" cy="911508"/>
           </a:xfrm>
@@ -5553,7 +5529,7 @@
           <p:nvPr isPhoto="0" userDrawn="0"/>
         </p:nvCxnSpPr>
         <p:spPr bwMode="auto">
-          <a:xfrm rot="5399978" flipH="0" flipV="0">
+          <a:xfrm rot="5399977" flipH="0" flipV="0">
             <a:off x="16299045" y="7225214"/>
             <a:ext cx="438149" cy="360"/>
           </a:xfrm>

--- a/docs/hld-lld_HelpEnterprising.pptx
+++ b/docs/hld-lld_HelpEnterprising.pptx
@@ -4428,8 +4428,8 @@
         </p:nvSpPr>
         <p:spPr bwMode="auto">
           <a:xfrm flipH="0" flipV="0">
-            <a:off x="6298620" y="4893234"/>
-            <a:ext cx="2170813" cy="487325"/>
+            <a:off x="6228314" y="4939709"/>
+            <a:ext cx="2286991" cy="440849"/>
           </a:xfrm>
           <a:prstGeom prst="rect">
             <a:avLst/>
@@ -4771,35 +4771,9 @@
           </a:p>
         </p:txBody>
       </p:sp>
-      <p:pic>
-        <p:nvPicPr>
-          <p:cNvPr id="30" name="Google Shape;208;p26" hidden="0"/>
-          <p:cNvPicPr/>
-          <p:nvPr isPhoto="0" userDrawn="0"/>
-        </p:nvPicPr>
-        <p:blipFill>
-          <a:blip r:embed="rId9">
-            <a:alphaModFix/>
-          </a:blip>
-          <a:stretch/>
-        </p:blipFill>
-        <p:spPr bwMode="auto">
-          <a:xfrm flipH="0" flipV="0">
-            <a:off x="6701115" y="1520984"/>
-            <a:ext cx="1341390" cy="1866349"/>
-          </a:xfrm>
-          <a:prstGeom prst="rect">
-            <a:avLst/>
-          </a:prstGeom>
-          <a:noFill/>
-          <a:ln>
-            <a:noFill/>
-          </a:ln>
-        </p:spPr>
-      </p:pic>
-      <p:sp>
-        <p:nvSpPr>
-          <p:cNvPr id="31" name="" hidden="0"/>
+      <p:sp>
+        <p:nvSpPr>
+          <p:cNvPr id="30" name="" hidden="0"/>
           <p:cNvSpPr/>
           <p:nvPr isPhoto="0" userDrawn="0"/>
         </p:nvSpPr>
@@ -4880,7 +4854,7 @@
       </p:sp>
       <p:pic>
         <p:nvPicPr>
-          <p:cNvPr id="32" name="Picture 18" hidden="0"/>
+          <p:cNvPr id="31" name="Picture 18" hidden="0"/>
           <p:cNvPicPr>
             <a:picLocks noChangeAspect="1"/>
           </p:cNvPicPr>
@@ -4903,7 +4877,7 @@
       </p:pic>
       <p:sp>
         <p:nvSpPr>
-          <p:cNvPr id="33" name="" hidden="0"/>
+          <p:cNvPr id="32" name="" hidden="0"/>
           <p:cNvSpPr/>
           <p:nvPr isPhoto="0" userDrawn="0"/>
         </p:nvSpPr>
@@ -4986,13 +4960,13 @@
       </p:sp>
       <p:sp>
         <p:nvSpPr>
-          <p:cNvPr id="34" name="" hidden="0"/>
+          <p:cNvPr id="33" name="" hidden="0"/>
           <p:cNvSpPr/>
           <p:nvPr isPhoto="0" userDrawn="0"/>
         </p:nvSpPr>
         <p:spPr bwMode="auto">
           <a:xfrm flipH="0" flipV="0">
-            <a:off x="5890299" y="7181132"/>
+            <a:off x="5890299" y="7181131"/>
             <a:ext cx="2086383" cy="487325"/>
           </a:xfrm>
           <a:prstGeom prst="rect">
@@ -5152,14 +5126,14 @@
       </p:sp>
       <p:pic>
         <p:nvPicPr>
-          <p:cNvPr id="35" name="" hidden="0"/>
+          <p:cNvPr id="34" name="" hidden="0"/>
           <p:cNvPicPr>
             <a:picLocks noChangeAspect="1"/>
           </p:cNvPicPr>
           <p:nvPr isPhoto="0" userDrawn="0"/>
         </p:nvPicPr>
         <p:blipFill>
-          <a:blip r:embed="rId10"/>
+          <a:blip r:embed="rId9"/>
           <a:stretch/>
         </p:blipFill>
         <p:spPr bwMode="auto">
@@ -5174,7 +5148,7 @@
       </p:pic>
       <p:sp>
         <p:nvSpPr>
-          <p:cNvPr id="36" name="" hidden="0"/>
+          <p:cNvPr id="35" name="" hidden="0"/>
           <p:cNvSpPr/>
           <p:nvPr isPhoto="0" userDrawn="0"/>
         </p:nvSpPr>
@@ -5366,16 +5340,16 @@
       </p:sp>
       <p:cxnSp>
         <p:nvCxnSpPr>
-          <p:cNvPr id="37" name="" hidden="0"/>
+          <p:cNvPr id="36" name="" hidden="0"/>
           <p:cNvCxnSpPr>
             <a:cxnSpLocks/>
-            <a:endCxn id="32" idx="3"/>
+            <a:endCxn id="31" idx="3"/>
           </p:cNvCxnSpPr>
           <p:nvPr isPhoto="0" userDrawn="0"/>
         </p:nvCxnSpPr>
         <p:spPr bwMode="auto">
-          <a:xfrm rot="10799990" flipH="0" flipV="1">
-            <a:off x="2203535" y="7446818"/>
+          <a:xfrm rot="10799989" flipH="0" flipV="1">
+            <a:off x="2203535" y="7446817"/>
             <a:ext cx="1868452" cy="304390"/>
           </a:xfrm>
           <a:prstGeom prst="line">
@@ -5408,7 +5382,7 @@
       </p:cxnSp>
       <p:sp>
         <p:nvSpPr>
-          <p:cNvPr id="38" name="" hidden="0"/>
+          <p:cNvPr id="37" name="" hidden="0"/>
           <p:cNvSpPr/>
           <p:nvPr isPhoto="0" userDrawn="0"/>
         </p:nvSpPr>
@@ -5438,6 +5412,47 @@
           </a:p>
         </p:txBody>
       </p:sp>
+      <p:cxnSp>
+        <p:nvCxnSpPr>
+          <p:cNvPr id="38" name="" hidden="0"/>
+          <p:cNvCxnSpPr>
+            <a:cxnSpLocks/>
+          </p:cNvCxnSpPr>
+          <p:nvPr isPhoto="0" userDrawn="0"/>
+        </p:nvCxnSpPr>
+        <p:spPr bwMode="auto">
+          <a:xfrm rot="16199969" flipH="0" flipV="1">
+            <a:off x="1128170" y="7397302"/>
+            <a:ext cx="857250" cy="0"/>
+          </a:xfrm>
+          <a:prstGeom prst="line">
+            <a:avLst/>
+          </a:prstGeom>
+          <a:ln w="28575" cap="flat" cmpd="sng" algn="ctr">
+            <a:solidFill>
+              <a:srgbClr val="6AA76A"/>
+            </a:solidFill>
+            <a:prstDash val="solid"/>
+            <a:tailEnd type="arrow" len="med"/>
+          </a:ln>
+        </p:spPr>
+        <p:style>
+          <a:lnRef idx="1">
+            <a:schemeClr val="accent1">
+              <a:shade val="50000"/>
+            </a:schemeClr>
+          </a:lnRef>
+          <a:fillRef idx="0">
+            <a:schemeClr val="accent1"/>
+          </a:fillRef>
+          <a:effectRef idx="0">
+            <a:schemeClr val="accent1"/>
+          </a:effectRef>
+          <a:fontRef idx="minor">
+            <a:schemeClr val="tx1"/>
+          </a:fontRef>
+        </p:style>
+      </p:cxnSp>
       <p:cxnSp>
         <p:nvCxnSpPr>
           <p:cNvPr id="39" name="" hidden="0"/>
@@ -5447,9 +5462,9 @@
           <p:nvPr isPhoto="0" userDrawn="0"/>
         </p:nvCxnSpPr>
         <p:spPr bwMode="auto">
-          <a:xfrm rot="16199969" flipH="0" flipV="1">
-            <a:off x="1128170" y="7397302"/>
-            <a:ext cx="857250" cy="0"/>
+          <a:xfrm rot="10799989" flipH="0" flipV="1">
+            <a:off x="13949715" y="7730219"/>
+            <a:ext cx="1577984" cy="911508"/>
           </a:xfrm>
           <a:prstGeom prst="line">
             <a:avLst/>
@@ -5488,9 +5503,9 @@
           <p:nvPr isPhoto="0" userDrawn="0"/>
         </p:nvCxnSpPr>
         <p:spPr bwMode="auto">
-          <a:xfrm rot="10799989" flipH="0" flipV="1">
-            <a:off x="13949715" y="7730219"/>
-            <a:ext cx="1577984" cy="911508"/>
+          <a:xfrm rot="5399976" flipH="0" flipV="0">
+            <a:off x="16299045" y="7225214"/>
+            <a:ext cx="438149" cy="360"/>
           </a:xfrm>
           <a:prstGeom prst="line">
             <a:avLst/>
@@ -5520,50 +5535,9 @@
           </a:fontRef>
         </p:style>
       </p:cxnSp>
-      <p:cxnSp>
-        <p:nvCxnSpPr>
+      <p:sp>
+        <p:nvSpPr>
           <p:cNvPr id="41" name="" hidden="0"/>
-          <p:cNvCxnSpPr>
-            <a:cxnSpLocks/>
-          </p:cNvCxnSpPr>
-          <p:nvPr isPhoto="0" userDrawn="0"/>
-        </p:nvCxnSpPr>
-        <p:spPr bwMode="auto">
-          <a:xfrm rot="5399977" flipH="0" flipV="0">
-            <a:off x="16299045" y="7225214"/>
-            <a:ext cx="438149" cy="360"/>
-          </a:xfrm>
-          <a:prstGeom prst="line">
-            <a:avLst/>
-          </a:prstGeom>
-          <a:ln w="28575" cap="flat" cmpd="sng" algn="ctr">
-            <a:solidFill>
-              <a:srgbClr val="6AA76A"/>
-            </a:solidFill>
-            <a:prstDash val="solid"/>
-            <a:tailEnd type="arrow" len="med"/>
-          </a:ln>
-        </p:spPr>
-        <p:style>
-          <a:lnRef idx="1">
-            <a:schemeClr val="accent1">
-              <a:shade val="50000"/>
-            </a:schemeClr>
-          </a:lnRef>
-          <a:fillRef idx="0">
-            <a:schemeClr val="accent1"/>
-          </a:fillRef>
-          <a:effectRef idx="0">
-            <a:schemeClr val="accent1"/>
-          </a:effectRef>
-          <a:fontRef idx="minor">
-            <a:schemeClr val="tx1"/>
-          </a:fontRef>
-        </p:style>
-      </p:cxnSp>
-      <p:sp>
-        <p:nvSpPr>
-          <p:cNvPr id="42" name="" hidden="0"/>
           <p:cNvSpPr/>
           <p:nvPr isPhoto="0" userDrawn="0"/>
         </p:nvSpPr>
@@ -5593,6 +5567,28 @@
           </a:p>
         </p:txBody>
       </p:sp>
+      <p:pic>
+        <p:nvPicPr>
+          <p:cNvPr id="42" name="" hidden="0"/>
+          <p:cNvPicPr>
+            <a:picLocks noChangeAspect="1"/>
+          </p:cNvPicPr>
+          <p:nvPr isPhoto="0" userDrawn="0"/>
+        </p:nvPicPr>
+        <p:blipFill>
+          <a:blip r:embed="rId10"/>
+          <a:stretch/>
+        </p:blipFill>
+        <p:spPr bwMode="auto">
+          <a:xfrm flipH="0" flipV="0">
+            <a:off x="6628231" y="1638840"/>
+            <a:ext cx="1775884" cy="1775884"/>
+          </a:xfrm>
+          <a:prstGeom prst="rect">
+            <a:avLst/>
+          </a:prstGeom>
+        </p:spPr>
+      </p:pic>
     </p:spTree>
   </p:cSld>
   <p:clrMapOvr>
